--- a/演示.pptx
+++ b/演示.pptx
@@ -34,7 +34,7 @@
   <p:sldSz cx="12192000" cy="6858000"/>
   <p:notesSz cx="6858000" cy="9144000"/>
   <p:custDataLst>
-    <p:tags r:id="rId34"/>
+    <p:tags r:id="rId35"/>
   </p:custDataLst>
   <p:defaultTextStyle>
     <a:defPPr>
@@ -29027,7 +29027,6 @@
           <a:p>
             <a:r>
               <a:rPr lang="zh-CN" altLang="en-US" sz="2800">
-                <a:ln/>
                 <a:solidFill>
                   <a:schemeClr val="accent1"/>
                 </a:solidFill>
@@ -29042,7 +29041,6 @@
               <a:t>进程地址空间设计</a:t>
             </a:r>
             <a:endParaRPr lang="zh-CN" altLang="en-US" sz="2800">
-              <a:ln/>
               <a:solidFill>
                 <a:schemeClr val="accent1"/>
               </a:solidFill>
@@ -29223,7 +29221,6 @@
           <a:p>
             <a:r>
               <a:rPr lang="zh-CN" altLang="en-US" sz="2400">
-                <a:ln/>
                 <a:solidFill>
                   <a:schemeClr val="accent1"/>
                 </a:solidFill>
@@ -29238,7 +29235,6 @@
               <a:t>寄存器设计和函数调用逻辑</a:t>
             </a:r>
             <a:endParaRPr lang="zh-CN" altLang="en-US" sz="2400">
-              <a:ln/>
               <a:solidFill>
                 <a:schemeClr val="accent1"/>
               </a:solidFill>
@@ -29438,7 +29434,7 @@
             </a:r>
             <a:r>
               <a:rPr lang="zh-CN" altLang="en-US">
-                <a:hlinkClick r:id="rId3" tooltip="" action="ppaction://hlinkfile"/>
+                <a:hlinkClick r:id="rId3" action="ppaction://hlinkfile"/>
               </a:rPr>
               <a:t>bilibli：700行手写编译器</a:t>
             </a:r>
@@ -29490,7 +29486,6 @@
           <a:p>
             <a:r>
               <a:rPr lang="zh-CN" altLang="en-US" sz="2400">
-                <a:ln/>
                 <a:solidFill>
                   <a:schemeClr val="accent1"/>
                 </a:solidFill>
@@ -29505,7 +29500,6 @@
               <a:t>虚拟机指令集设计</a:t>
             </a:r>
             <a:endParaRPr lang="zh-CN" altLang="en-US" sz="2400">
-              <a:ln/>
               <a:solidFill>
                 <a:schemeClr val="accent1"/>
               </a:solidFill>
@@ -29547,7 +29541,7 @@
             </a:r>
             <a:r>
               <a:rPr lang="zh-CN" altLang="en-US">
-                <a:hlinkClick r:id="rId1" tooltip="" action="ppaction://hlinkfile"/>
+                <a:hlinkClick r:id="rId1" action="ppaction://hlinkfile"/>
               </a:rPr>
               <a:t>https://github.com/rswier/c4</a:t>
             </a:r>
@@ -30832,7 +30826,6 @@
             </a:pPr>
             <a:r>
               <a:rPr lang="zh-CN" altLang="en-US" sz="2400" spc="180">
-                <a:ln/>
                 <a:solidFill>
                   <a:schemeClr val="accent1"/>
                 </a:solidFill>
@@ -30851,7 +30844,6 @@
               <a:t>程序分析--语法分析</a:t>
             </a:r>
             <a:endParaRPr lang="zh-CN" altLang="en-US" sz="2400" spc="180">
-              <a:ln/>
               <a:solidFill>
                 <a:schemeClr val="accent1"/>
               </a:solidFill>
@@ -31588,7 +31580,7 @@
                 <a:latin typeface="微软雅黑" panose="020B0503020204020204" charset="-122"/>
                 <a:ea typeface="微软雅黑" panose="020B0503020204020204" charset="-122"/>
                 <a:cs typeface="微软雅黑" panose="020B0503020204020204" charset="-122"/>
-                <a:hlinkClick r:id="rId5" tooltip="" action="ppaction://hlinkfile"/>
+                <a:hlinkClick r:id="rId5" action="ppaction://hlinkfile"/>
               </a:rPr>
               <a:t>https://github.com/iamwsll/SimpleCompiler</a:t>
             </a:r>
@@ -33611,7 +33603,6 @@
           <a:p>
             <a:r>
               <a:rPr lang="zh-CN" altLang="en-US" sz="2400">
-                <a:ln/>
                 <a:solidFill>
                   <a:schemeClr val="accent1"/>
                 </a:solidFill>
@@ -33627,7 +33618,6 @@
             </a:r>
             <a:r>
               <a:rPr lang="en-US" altLang="zh-CN" sz="2400">
-                <a:ln/>
                 <a:solidFill>
                   <a:schemeClr val="accent1"/>
                 </a:solidFill>
@@ -33643,7 +33633,6 @@
             </a:r>
             <a:r>
               <a:rPr lang="zh-CN" altLang="en-US" sz="2400">
-                <a:ln/>
                 <a:solidFill>
                   <a:schemeClr val="accent1"/>
                 </a:solidFill>
@@ -33658,7 +33647,6 @@
               <a:t>模式</a:t>
             </a:r>
             <a:endParaRPr lang="zh-CN" altLang="en-US" sz="2400">
-              <a:ln/>
               <a:solidFill>
                 <a:schemeClr val="accent1"/>
               </a:solidFill>
@@ -35649,7 +35637,7 @@
                 <a:latin typeface="微软雅黑" panose="020B0503020204020204" charset="-122"/>
                 <a:ea typeface="微软雅黑" panose="020B0503020204020204" charset="-122"/>
                 <a:cs typeface="微软雅黑" panose="020B0503020204020204" charset="-122"/>
-                <a:hlinkClick r:id="rId8" tooltip="" action="ppaction://hlinkfile"/>
+                <a:hlinkClick r:id="rId8" action="ppaction://hlinkfile"/>
               </a:rPr>
               <a:t>https://github.com/iamwsll/SimpleCompiler</a:t>
             </a:r>
@@ -35668,7 +35656,7 @@
               <a:latin typeface="微软雅黑" panose="020B0503020204020204" charset="-122"/>
               <a:ea typeface="微软雅黑" panose="020B0503020204020204" charset="-122"/>
               <a:cs typeface="微软雅黑" panose="020B0503020204020204" charset="-122"/>
-              <a:hlinkClick r:id="rId8" tooltip="" action="ppaction://hlinkfile"/>
+              <a:hlinkClick r:id="rId8" action="ppaction://hlinkfile"/>
             </a:endParaRPr>
           </a:p>
           <a:p>
@@ -49140,12 +49128,6 @@
 </p:tagLst>
 </file>
 
-<file path=ppt/tags/tag489.xml><?xml version="1.0" encoding="utf-8"?>
-<p:tagLst xmlns:p="http://schemas.openxmlformats.org/presentationml/2006/main">
-  <p:tag name="commondata" val="eyJoZGlkIjoiYjJkMjhlYTc0ZGNmOTA5NDM0Nzk2MDUwNWQ3MThhNWIifQ=="/>
-</p:tagLst>
-</file>
-
 <file path=ppt/tags/tag49.xml><?xml version="1.0" encoding="utf-8"?>
 <p:tagLst xmlns:p="http://schemas.openxmlformats.org/presentationml/2006/main">
   <p:tag name="KSO_WM_UNIT_HIGHLIGHT" val="0"/>
@@ -49156,6 +49138,12 @@
   <p:tag name="KSO_WM_UNIT_LAYERLEVEL" val="1"/>
   <p:tag name="KSO_WM_TAG_VERSION" val="1.0"/>
   <p:tag name="KSO_WM_BEAUTIFY_FLAG" val="#wm#"/>
+</p:tagLst>
+</file>
+
+<file path=ppt/tags/tag490.xml><?xml version="1.0" encoding="utf-8"?>
+<p:tagLst xmlns:p="http://schemas.openxmlformats.org/presentationml/2006/main">
+  <p:tag name="commondata" val="eyJoZGlkIjoiYjJkMjhlYTc0ZGNmOTA5NDM0Nzk2MDUwNWQ3MThhNWIifQ=="/>
 </p:tagLst>
 </file>
 
@@ -50556,10 +50544,19 @@
 </s:customData>
 </file>
 
+<file path=customXml/item2.xml>��< ? x m l   v e r s i o n = " 1 . 0 "   s t a n d a l o n e = " y e s " ? > < s : c u s t o m D a t a   x m l n s = " h t t p : / / w w w . w p s . c n / o f f i c e D o c u m e n t / 2 0 1 3 / w p s C u s t o m D a t a "   x m l n s : s = " h t t p : / / w w w . w p s . c n / o f f i c e D o c u m e n t / 2 0 1 3 / w p s C u s t o m D a t a " > < e x t o b j s > < e x t o b j   n a m e = " F 3 5 B 0 B E E - F 1 8 A - 4 7 B B - 8 F C B - E 0 0 D A 2 F 2 6 3 5 D - 1 " > < e x t o b j d a t a   t y p e = " F 3 5 B 0 B E E - F 1 8 A - 4 7 B B - 8 F C B - E 0 0 D A 2 F 2 6 3 5 D "   d a t a = " e w o J I k R l c 2 l n b k l k I i A 6 I C J h N z Y 1 N T g 0 N S 0 5 N W V j L T R l M j c t O D k 3 N i 1 i N T k 5 M G J j O D B i M W E i C n 0 K " / > < / e x t o b j > < / e x t o b j s > < / s : c u s t o m D a t a > 
+</file>
+
 <file path=customXml/itemProps488.xml><?xml version="1.0" encoding="utf-8"?>
 <ds:datastoreItem xmlns:ds="http://schemas.openxmlformats.org/officeDocument/2006/customXml" ds:itemID="s:customData">
   <ds:schemaRefs>
     <ds:schemaRef ds:uri="http://www.wps.cn/officeDocument/2013/wpsCustomData"/>
   </ds:schemaRefs>
 </ds:datastoreItem>
+</file>
+
+<file path=customXml/itemProps489.xml><?xml version="1.0" encoding="utf-8"?>
+<ds:datastoreItem xmlns:ds="http://schemas.openxmlformats.org/officeDocument/2006/customXml" ds:itemID="{1367f45a-8ced-416b-96a8-63d8206c216b}">
+  <ds:schemaRefs/>
+</ds:datastoreItem>
 </file>